--- a/template-single-column.pptx
+++ b/template-single-column.pptx
@@ -2,12 +2,12 @@
 <file path=ppt/presentation.xml><?xml version="1.0" encoding="utf-8"?>
 <p:presentation xmlns:a="http://schemas.openxmlformats.org/drawingml/2006/main" xmlns:r="http://schemas.openxmlformats.org/officeDocument/2006/relationships" xmlns:p="http://schemas.openxmlformats.org/presentationml/2006/main" saveSubsetFonts="1" autoCompressPictures="0">
   <p:sldMasterIdLst>
-    <p:sldMasterId id="2147483732" r:id="rId1"/>
+    <p:sldMasterId id="2147483744" r:id="rId1"/>
   </p:sldMasterIdLst>
   <p:sldIdLst>
     <p:sldId id="258" r:id="rId2"/>
   </p:sldIdLst>
-  <p:sldSz cx="3240088" cy="3060700"/>
+  <p:sldSz cx="3203575" cy="3060700"/>
   <p:notesSz cx="6858000" cy="9144000"/>
   <p:defaultTextStyle>
     <a:defPPr>
@@ -141,15 +141,15 @@
         </p:nvSpPr>
         <p:spPr>
           <a:xfrm>
-            <a:off x="243007" y="500906"/>
-            <a:ext cx="2754075" cy="1065577"/>
+            <a:off x="240268" y="500906"/>
+            <a:ext cx="2723039" cy="1065577"/>
           </a:xfrm>
         </p:spPr>
         <p:txBody>
           <a:bodyPr anchor="b"/>
           <a:lstStyle>
             <a:lvl1pPr algn="ctr">
-              <a:defRPr sz="2126"/>
+              <a:defRPr sz="2102"/>
             </a:lvl1pPr>
           </a:lstStyle>
           <a:p>
@@ -173,8 +173,8 @@
         </p:nvSpPr>
         <p:spPr>
           <a:xfrm>
-            <a:off x="405011" y="1607576"/>
-            <a:ext cx="2430066" cy="738960"/>
+            <a:off x="400447" y="1607576"/>
+            <a:ext cx="2402681" cy="738960"/>
           </a:xfrm>
         </p:spPr>
         <p:txBody>
@@ -182,39 +182,39 @@
           <a:lstStyle>
             <a:lvl1pPr marL="0" indent="0" algn="ctr">
               <a:buNone/>
-              <a:defRPr sz="850"/>
+              <a:defRPr sz="841"/>
             </a:lvl1pPr>
-            <a:lvl2pPr marL="161986" indent="0" algn="ctr">
-              <a:buNone/>
-              <a:defRPr sz="709"/>
+            <a:lvl2pPr marL="160157" indent="0" algn="ctr">
+              <a:buNone/>
+              <a:defRPr sz="701"/>
             </a:lvl2pPr>
-            <a:lvl3pPr marL="323972" indent="0" algn="ctr">
-              <a:buNone/>
-              <a:defRPr sz="638"/>
+            <a:lvl3pPr marL="320314" indent="0" algn="ctr">
+              <a:buNone/>
+              <a:defRPr sz="631"/>
             </a:lvl3pPr>
-            <a:lvl4pPr marL="485958" indent="0" algn="ctr">
-              <a:buNone/>
-              <a:defRPr sz="567"/>
+            <a:lvl4pPr marL="480471" indent="0" algn="ctr">
+              <a:buNone/>
+              <a:defRPr sz="560"/>
             </a:lvl4pPr>
-            <a:lvl5pPr marL="647944" indent="0" algn="ctr">
-              <a:buNone/>
-              <a:defRPr sz="567"/>
+            <a:lvl5pPr marL="640629" indent="0" algn="ctr">
+              <a:buNone/>
+              <a:defRPr sz="560"/>
             </a:lvl5pPr>
-            <a:lvl6pPr marL="809930" indent="0" algn="ctr">
-              <a:buNone/>
-              <a:defRPr sz="567"/>
+            <a:lvl6pPr marL="800786" indent="0" algn="ctr">
+              <a:buNone/>
+              <a:defRPr sz="560"/>
             </a:lvl6pPr>
-            <a:lvl7pPr marL="971916" indent="0" algn="ctr">
-              <a:buNone/>
-              <a:defRPr sz="567"/>
+            <a:lvl7pPr marL="960943" indent="0" algn="ctr">
+              <a:buNone/>
+              <a:defRPr sz="560"/>
             </a:lvl7pPr>
-            <a:lvl8pPr marL="1133902" indent="0" algn="ctr">
-              <a:buNone/>
-              <a:defRPr sz="567"/>
+            <a:lvl8pPr marL="1121100" indent="0" algn="ctr">
+              <a:buNone/>
+              <a:defRPr sz="560"/>
             </a:lvl8pPr>
-            <a:lvl9pPr marL="1295888" indent="0" algn="ctr">
-              <a:buNone/>
-              <a:defRPr sz="567"/>
+            <a:lvl9pPr marL="1281257" indent="0" algn="ctr">
+              <a:buNone/>
+              <a:defRPr sz="560"/>
             </a:lvl9pPr>
           </a:lstStyle>
           <a:p>
@@ -294,7 +294,7 @@
     </p:spTree>
     <p:extLst>
       <p:ext uri="{BB962C8B-B14F-4D97-AF65-F5344CB8AC3E}">
-        <p14:creationId xmlns:p14="http://schemas.microsoft.com/office/powerpoint/2010/main" val="2601565579"/>
+        <p14:creationId xmlns:p14="http://schemas.microsoft.com/office/powerpoint/2010/main" val="3246849591"/>
       </p:ext>
     </p:extLst>
   </p:cSld>
@@ -464,7 +464,7 @@
     </p:spTree>
     <p:extLst>
       <p:ext uri="{BB962C8B-B14F-4D97-AF65-F5344CB8AC3E}">
-        <p14:creationId xmlns:p14="http://schemas.microsoft.com/office/powerpoint/2010/main" val="1529271473"/>
+        <p14:creationId xmlns:p14="http://schemas.microsoft.com/office/powerpoint/2010/main" val="2929225648"/>
       </p:ext>
     </p:extLst>
   </p:cSld>
@@ -503,8 +503,8 @@
         </p:nvSpPr>
         <p:spPr>
           <a:xfrm>
-            <a:off x="2318688" y="162954"/>
-            <a:ext cx="698644" cy="2593802"/>
+            <a:off x="2292558" y="162954"/>
+            <a:ext cx="690771" cy="2593802"/>
           </a:xfrm>
         </p:spPr>
         <p:txBody>
@@ -531,8 +531,8 @@
         </p:nvSpPr>
         <p:spPr>
           <a:xfrm>
-            <a:off x="222756" y="162954"/>
-            <a:ext cx="2055431" cy="2593802"/>
+            <a:off x="220246" y="162954"/>
+            <a:ext cx="2032268" cy="2593802"/>
           </a:xfrm>
         </p:spPr>
         <p:txBody>
@@ -644,7 +644,7 @@
     </p:spTree>
     <p:extLst>
       <p:ext uri="{BB962C8B-B14F-4D97-AF65-F5344CB8AC3E}">
-        <p14:creationId xmlns:p14="http://schemas.microsoft.com/office/powerpoint/2010/main" val="916378183"/>
+        <p14:creationId xmlns:p14="http://schemas.microsoft.com/office/powerpoint/2010/main" val="2773242983"/>
       </p:ext>
     </p:extLst>
   </p:cSld>
@@ -814,7 +814,7 @@
     </p:spTree>
     <p:extLst>
       <p:ext uri="{BB962C8B-B14F-4D97-AF65-F5344CB8AC3E}">
-        <p14:creationId xmlns:p14="http://schemas.microsoft.com/office/powerpoint/2010/main" val="4270217471"/>
+        <p14:creationId xmlns:p14="http://schemas.microsoft.com/office/powerpoint/2010/main" val="3053395118"/>
       </p:ext>
     </p:extLst>
   </p:cSld>
@@ -853,15 +853,15 @@
         </p:nvSpPr>
         <p:spPr>
           <a:xfrm>
-            <a:off x="221069" y="763050"/>
-            <a:ext cx="2794576" cy="1273166"/>
+            <a:off x="218578" y="763050"/>
+            <a:ext cx="2763083" cy="1273166"/>
           </a:xfrm>
         </p:spPr>
         <p:txBody>
           <a:bodyPr anchor="b"/>
           <a:lstStyle>
             <a:lvl1pPr>
-              <a:defRPr sz="2126"/>
+              <a:defRPr sz="2102"/>
             </a:lvl1pPr>
           </a:lstStyle>
           <a:p>
@@ -885,8 +885,8 @@
         </p:nvSpPr>
         <p:spPr>
           <a:xfrm>
-            <a:off x="221069" y="2048261"/>
-            <a:ext cx="2794576" cy="669528"/>
+            <a:off x="218578" y="2048261"/>
+            <a:ext cx="2763083" cy="669528"/>
           </a:xfrm>
         </p:spPr>
         <p:txBody>
@@ -894,15 +894,15 @@
           <a:lstStyle>
             <a:lvl1pPr marL="0" indent="0">
               <a:buNone/>
-              <a:defRPr sz="850">
+              <a:defRPr sz="841">
                 <a:solidFill>
                   <a:schemeClr val="tx1"/>
                 </a:solidFill>
               </a:defRPr>
             </a:lvl1pPr>
-            <a:lvl2pPr marL="161986" indent="0">
-              <a:buNone/>
-              <a:defRPr sz="709">
+            <a:lvl2pPr marL="160157" indent="0">
+              <a:buNone/>
+              <a:defRPr sz="701">
                 <a:solidFill>
                   <a:schemeClr val="tx1">
                     <a:tint val="75000"/>
@@ -910,9 +910,9 @@
                 </a:solidFill>
               </a:defRPr>
             </a:lvl2pPr>
-            <a:lvl3pPr marL="323972" indent="0">
-              <a:buNone/>
-              <a:defRPr sz="638">
+            <a:lvl3pPr marL="320314" indent="0">
+              <a:buNone/>
+              <a:defRPr sz="631">
                 <a:solidFill>
                   <a:schemeClr val="tx1">
                     <a:tint val="75000"/>
@@ -920,9 +920,9 @@
                 </a:solidFill>
               </a:defRPr>
             </a:lvl3pPr>
-            <a:lvl4pPr marL="485958" indent="0">
-              <a:buNone/>
-              <a:defRPr sz="567">
+            <a:lvl4pPr marL="480471" indent="0">
+              <a:buNone/>
+              <a:defRPr sz="560">
                 <a:solidFill>
                   <a:schemeClr val="tx1">
                     <a:tint val="75000"/>
@@ -930,9 +930,9 @@
                 </a:solidFill>
               </a:defRPr>
             </a:lvl4pPr>
-            <a:lvl5pPr marL="647944" indent="0">
-              <a:buNone/>
-              <a:defRPr sz="567">
+            <a:lvl5pPr marL="640629" indent="0">
+              <a:buNone/>
+              <a:defRPr sz="560">
                 <a:solidFill>
                   <a:schemeClr val="tx1">
                     <a:tint val="75000"/>
@@ -940,9 +940,9 @@
                 </a:solidFill>
               </a:defRPr>
             </a:lvl5pPr>
-            <a:lvl6pPr marL="809930" indent="0">
-              <a:buNone/>
-              <a:defRPr sz="567">
+            <a:lvl6pPr marL="800786" indent="0">
+              <a:buNone/>
+              <a:defRPr sz="560">
                 <a:solidFill>
                   <a:schemeClr val="tx1">
                     <a:tint val="75000"/>
@@ -950,9 +950,9 @@
                 </a:solidFill>
               </a:defRPr>
             </a:lvl6pPr>
-            <a:lvl7pPr marL="971916" indent="0">
-              <a:buNone/>
-              <a:defRPr sz="567">
+            <a:lvl7pPr marL="960943" indent="0">
+              <a:buNone/>
+              <a:defRPr sz="560">
                 <a:solidFill>
                   <a:schemeClr val="tx1">
                     <a:tint val="75000"/>
@@ -960,9 +960,9 @@
                 </a:solidFill>
               </a:defRPr>
             </a:lvl7pPr>
-            <a:lvl8pPr marL="1133902" indent="0">
-              <a:buNone/>
-              <a:defRPr sz="567">
+            <a:lvl8pPr marL="1121100" indent="0">
+              <a:buNone/>
+              <a:defRPr sz="560">
                 <a:solidFill>
                   <a:schemeClr val="tx1">
                     <a:tint val="75000"/>
@@ -970,9 +970,9 @@
                 </a:solidFill>
               </a:defRPr>
             </a:lvl8pPr>
-            <a:lvl9pPr marL="1295888" indent="0">
-              <a:buNone/>
-              <a:defRPr sz="567">
+            <a:lvl9pPr marL="1281257" indent="0">
+              <a:buNone/>
+              <a:defRPr sz="560">
                 <a:solidFill>
                   <a:schemeClr val="tx1">
                     <a:tint val="75000"/>
@@ -1058,7 +1058,7 @@
     </p:spTree>
     <p:extLst>
       <p:ext uri="{BB962C8B-B14F-4D97-AF65-F5344CB8AC3E}">
-        <p14:creationId xmlns:p14="http://schemas.microsoft.com/office/powerpoint/2010/main" val="4103475768"/>
+        <p14:creationId xmlns:p14="http://schemas.microsoft.com/office/powerpoint/2010/main" val="4138890902"/>
       </p:ext>
     </p:extLst>
   </p:cSld>
@@ -1120,8 +1120,8 @@
         </p:nvSpPr>
         <p:spPr>
           <a:xfrm>
-            <a:off x="222756" y="814770"/>
-            <a:ext cx="1377037" cy="1941986"/>
+            <a:off x="220246" y="814770"/>
+            <a:ext cx="1361519" cy="1941986"/>
           </a:xfrm>
         </p:spPr>
         <p:txBody>
@@ -1177,8 +1177,8 @@
         </p:nvSpPr>
         <p:spPr>
           <a:xfrm>
-            <a:off x="1640295" y="814770"/>
-            <a:ext cx="1377037" cy="1941986"/>
+            <a:off x="1621810" y="814770"/>
+            <a:ext cx="1361519" cy="1941986"/>
           </a:xfrm>
         </p:spPr>
         <p:txBody>
@@ -1290,7 +1290,7 @@
     </p:spTree>
     <p:extLst>
       <p:ext uri="{BB962C8B-B14F-4D97-AF65-F5344CB8AC3E}">
-        <p14:creationId xmlns:p14="http://schemas.microsoft.com/office/powerpoint/2010/main" val="2577870612"/>
+        <p14:creationId xmlns:p14="http://schemas.microsoft.com/office/powerpoint/2010/main" val="1854389198"/>
       </p:ext>
     </p:extLst>
   </p:cSld>
@@ -1329,8 +1329,8 @@
         </p:nvSpPr>
         <p:spPr>
           <a:xfrm>
-            <a:off x="223178" y="162955"/>
-            <a:ext cx="2794576" cy="591594"/>
+            <a:off x="220663" y="162955"/>
+            <a:ext cx="2763083" cy="591594"/>
           </a:xfrm>
         </p:spPr>
         <p:txBody>
@@ -1357,8 +1357,8 @@
         </p:nvSpPr>
         <p:spPr>
           <a:xfrm>
-            <a:off x="223178" y="750297"/>
-            <a:ext cx="1370709" cy="367709"/>
+            <a:off x="220663" y="750297"/>
+            <a:ext cx="1355262" cy="367709"/>
           </a:xfrm>
         </p:spPr>
         <p:txBody>
@@ -1366,39 +1366,39 @@
           <a:lstStyle>
             <a:lvl1pPr marL="0" indent="0">
               <a:buNone/>
-              <a:defRPr sz="850" b="1"/>
+              <a:defRPr sz="841" b="1"/>
             </a:lvl1pPr>
-            <a:lvl2pPr marL="161986" indent="0">
-              <a:buNone/>
-              <a:defRPr sz="709" b="1"/>
+            <a:lvl2pPr marL="160157" indent="0">
+              <a:buNone/>
+              <a:defRPr sz="701" b="1"/>
             </a:lvl2pPr>
-            <a:lvl3pPr marL="323972" indent="0">
-              <a:buNone/>
-              <a:defRPr sz="638" b="1"/>
+            <a:lvl3pPr marL="320314" indent="0">
+              <a:buNone/>
+              <a:defRPr sz="631" b="1"/>
             </a:lvl3pPr>
-            <a:lvl4pPr marL="485958" indent="0">
-              <a:buNone/>
-              <a:defRPr sz="567" b="1"/>
+            <a:lvl4pPr marL="480471" indent="0">
+              <a:buNone/>
+              <a:defRPr sz="560" b="1"/>
             </a:lvl4pPr>
-            <a:lvl5pPr marL="647944" indent="0">
-              <a:buNone/>
-              <a:defRPr sz="567" b="1"/>
+            <a:lvl5pPr marL="640629" indent="0">
+              <a:buNone/>
+              <a:defRPr sz="560" b="1"/>
             </a:lvl5pPr>
-            <a:lvl6pPr marL="809930" indent="0">
-              <a:buNone/>
-              <a:defRPr sz="567" b="1"/>
+            <a:lvl6pPr marL="800786" indent="0">
+              <a:buNone/>
+              <a:defRPr sz="560" b="1"/>
             </a:lvl6pPr>
-            <a:lvl7pPr marL="971916" indent="0">
-              <a:buNone/>
-              <a:defRPr sz="567" b="1"/>
+            <a:lvl7pPr marL="960943" indent="0">
+              <a:buNone/>
+              <a:defRPr sz="560" b="1"/>
             </a:lvl7pPr>
-            <a:lvl8pPr marL="1133902" indent="0">
-              <a:buNone/>
-              <a:defRPr sz="567" b="1"/>
+            <a:lvl8pPr marL="1121100" indent="0">
+              <a:buNone/>
+              <a:defRPr sz="560" b="1"/>
             </a:lvl8pPr>
-            <a:lvl9pPr marL="1295888" indent="0">
-              <a:buNone/>
-              <a:defRPr sz="567" b="1"/>
+            <a:lvl9pPr marL="1281257" indent="0">
+              <a:buNone/>
+              <a:defRPr sz="560" b="1"/>
             </a:lvl9pPr>
           </a:lstStyle>
           <a:p>
@@ -1422,8 +1422,8 @@
         </p:nvSpPr>
         <p:spPr>
           <a:xfrm>
-            <a:off x="223178" y="1118006"/>
-            <a:ext cx="1370709" cy="1644418"/>
+            <a:off x="220663" y="1118006"/>
+            <a:ext cx="1355262" cy="1644418"/>
           </a:xfrm>
         </p:spPr>
         <p:txBody>
@@ -1479,8 +1479,8 @@
         </p:nvSpPr>
         <p:spPr>
           <a:xfrm>
-            <a:off x="1640295" y="750297"/>
-            <a:ext cx="1377459" cy="367709"/>
+            <a:off x="1621810" y="750297"/>
+            <a:ext cx="1361937" cy="367709"/>
           </a:xfrm>
         </p:spPr>
         <p:txBody>
@@ -1488,39 +1488,39 @@
           <a:lstStyle>
             <a:lvl1pPr marL="0" indent="0">
               <a:buNone/>
-              <a:defRPr sz="850" b="1"/>
+              <a:defRPr sz="841" b="1"/>
             </a:lvl1pPr>
-            <a:lvl2pPr marL="161986" indent="0">
-              <a:buNone/>
-              <a:defRPr sz="709" b="1"/>
+            <a:lvl2pPr marL="160157" indent="0">
+              <a:buNone/>
+              <a:defRPr sz="701" b="1"/>
             </a:lvl2pPr>
-            <a:lvl3pPr marL="323972" indent="0">
-              <a:buNone/>
-              <a:defRPr sz="638" b="1"/>
+            <a:lvl3pPr marL="320314" indent="0">
+              <a:buNone/>
+              <a:defRPr sz="631" b="1"/>
             </a:lvl3pPr>
-            <a:lvl4pPr marL="485958" indent="0">
-              <a:buNone/>
-              <a:defRPr sz="567" b="1"/>
+            <a:lvl4pPr marL="480471" indent="0">
+              <a:buNone/>
+              <a:defRPr sz="560" b="1"/>
             </a:lvl4pPr>
-            <a:lvl5pPr marL="647944" indent="0">
-              <a:buNone/>
-              <a:defRPr sz="567" b="1"/>
+            <a:lvl5pPr marL="640629" indent="0">
+              <a:buNone/>
+              <a:defRPr sz="560" b="1"/>
             </a:lvl5pPr>
-            <a:lvl6pPr marL="809930" indent="0">
-              <a:buNone/>
-              <a:defRPr sz="567" b="1"/>
+            <a:lvl6pPr marL="800786" indent="0">
+              <a:buNone/>
+              <a:defRPr sz="560" b="1"/>
             </a:lvl6pPr>
-            <a:lvl7pPr marL="971916" indent="0">
-              <a:buNone/>
-              <a:defRPr sz="567" b="1"/>
+            <a:lvl7pPr marL="960943" indent="0">
+              <a:buNone/>
+              <a:defRPr sz="560" b="1"/>
             </a:lvl7pPr>
-            <a:lvl8pPr marL="1133902" indent="0">
-              <a:buNone/>
-              <a:defRPr sz="567" b="1"/>
+            <a:lvl8pPr marL="1121100" indent="0">
+              <a:buNone/>
+              <a:defRPr sz="560" b="1"/>
             </a:lvl8pPr>
-            <a:lvl9pPr marL="1295888" indent="0">
-              <a:buNone/>
-              <a:defRPr sz="567" b="1"/>
+            <a:lvl9pPr marL="1281257" indent="0">
+              <a:buNone/>
+              <a:defRPr sz="560" b="1"/>
             </a:lvl9pPr>
           </a:lstStyle>
           <a:p>
@@ -1544,8 +1544,8 @@
         </p:nvSpPr>
         <p:spPr>
           <a:xfrm>
-            <a:off x="1640295" y="1118006"/>
-            <a:ext cx="1377459" cy="1644418"/>
+            <a:off x="1621810" y="1118006"/>
+            <a:ext cx="1361937" cy="1644418"/>
           </a:xfrm>
         </p:spPr>
         <p:txBody>
@@ -1657,7 +1657,7 @@
     </p:spTree>
     <p:extLst>
       <p:ext uri="{BB962C8B-B14F-4D97-AF65-F5344CB8AC3E}">
-        <p14:creationId xmlns:p14="http://schemas.microsoft.com/office/powerpoint/2010/main" val="829580246"/>
+        <p14:creationId xmlns:p14="http://schemas.microsoft.com/office/powerpoint/2010/main" val="1452201291"/>
       </p:ext>
     </p:extLst>
   </p:cSld>
@@ -1775,7 +1775,7 @@
     </p:spTree>
     <p:extLst>
       <p:ext uri="{BB962C8B-B14F-4D97-AF65-F5344CB8AC3E}">
-        <p14:creationId xmlns:p14="http://schemas.microsoft.com/office/powerpoint/2010/main" val="1383753690"/>
+        <p14:creationId xmlns:p14="http://schemas.microsoft.com/office/powerpoint/2010/main" val="1512280781"/>
       </p:ext>
     </p:extLst>
   </p:cSld>
@@ -1870,7 +1870,7 @@
     </p:spTree>
     <p:extLst>
       <p:ext uri="{BB962C8B-B14F-4D97-AF65-F5344CB8AC3E}">
-        <p14:creationId xmlns:p14="http://schemas.microsoft.com/office/powerpoint/2010/main" val="2482880997"/>
+        <p14:creationId xmlns:p14="http://schemas.microsoft.com/office/powerpoint/2010/main" val="3074445275"/>
       </p:ext>
     </p:extLst>
   </p:cSld>
@@ -1909,15 +1909,15 @@
         </p:nvSpPr>
         <p:spPr>
           <a:xfrm>
-            <a:off x="223178" y="204047"/>
-            <a:ext cx="1045013" cy="714163"/>
+            <a:off x="220663" y="204047"/>
+            <a:ext cx="1033236" cy="714163"/>
           </a:xfrm>
         </p:spPr>
         <p:txBody>
           <a:bodyPr anchor="b"/>
           <a:lstStyle>
             <a:lvl1pPr>
-              <a:defRPr sz="1134"/>
+              <a:defRPr sz="1121"/>
             </a:lvl1pPr>
           </a:lstStyle>
           <a:p>
@@ -1941,39 +1941,39 @@
         </p:nvSpPr>
         <p:spPr>
           <a:xfrm>
-            <a:off x="1377459" y="440685"/>
-            <a:ext cx="1640295" cy="2175081"/>
+            <a:off x="1361937" y="440685"/>
+            <a:ext cx="1621810" cy="2175081"/>
           </a:xfrm>
         </p:spPr>
         <p:txBody>
           <a:bodyPr/>
           <a:lstStyle>
             <a:lvl1pPr>
-              <a:defRPr sz="1134"/>
+              <a:defRPr sz="1121"/>
             </a:lvl1pPr>
             <a:lvl2pPr>
-              <a:defRPr sz="992"/>
+              <a:defRPr sz="981"/>
             </a:lvl2pPr>
             <a:lvl3pPr>
-              <a:defRPr sz="850"/>
+              <a:defRPr sz="841"/>
             </a:lvl3pPr>
             <a:lvl4pPr>
-              <a:defRPr sz="709"/>
+              <a:defRPr sz="701"/>
             </a:lvl4pPr>
             <a:lvl5pPr>
-              <a:defRPr sz="709"/>
+              <a:defRPr sz="701"/>
             </a:lvl5pPr>
             <a:lvl6pPr>
-              <a:defRPr sz="709"/>
+              <a:defRPr sz="701"/>
             </a:lvl6pPr>
             <a:lvl7pPr>
-              <a:defRPr sz="709"/>
+              <a:defRPr sz="701"/>
             </a:lvl7pPr>
             <a:lvl8pPr>
-              <a:defRPr sz="709"/>
+              <a:defRPr sz="701"/>
             </a:lvl8pPr>
             <a:lvl9pPr>
-              <a:defRPr sz="709"/>
+              <a:defRPr sz="701"/>
             </a:lvl9pPr>
           </a:lstStyle>
           <a:p>
@@ -2026,8 +2026,8 @@
         </p:nvSpPr>
         <p:spPr>
           <a:xfrm>
-            <a:off x="223178" y="918210"/>
-            <a:ext cx="1045013" cy="1701098"/>
+            <a:off x="220663" y="918210"/>
+            <a:ext cx="1033236" cy="1701098"/>
           </a:xfrm>
         </p:spPr>
         <p:txBody>
@@ -2035,39 +2035,39 @@
           <a:lstStyle>
             <a:lvl1pPr marL="0" indent="0">
               <a:buNone/>
-              <a:defRPr sz="567"/>
+              <a:defRPr sz="560"/>
             </a:lvl1pPr>
-            <a:lvl2pPr marL="161986" indent="0">
-              <a:buNone/>
-              <a:defRPr sz="496"/>
+            <a:lvl2pPr marL="160157" indent="0">
+              <a:buNone/>
+              <a:defRPr sz="490"/>
             </a:lvl2pPr>
-            <a:lvl3pPr marL="323972" indent="0">
-              <a:buNone/>
-              <a:defRPr sz="425"/>
+            <a:lvl3pPr marL="320314" indent="0">
+              <a:buNone/>
+              <a:defRPr sz="420"/>
             </a:lvl3pPr>
-            <a:lvl4pPr marL="485958" indent="0">
-              <a:buNone/>
-              <a:defRPr sz="354"/>
+            <a:lvl4pPr marL="480471" indent="0">
+              <a:buNone/>
+              <a:defRPr sz="350"/>
             </a:lvl4pPr>
-            <a:lvl5pPr marL="647944" indent="0">
-              <a:buNone/>
-              <a:defRPr sz="354"/>
+            <a:lvl5pPr marL="640629" indent="0">
+              <a:buNone/>
+              <a:defRPr sz="350"/>
             </a:lvl5pPr>
-            <a:lvl6pPr marL="809930" indent="0">
-              <a:buNone/>
-              <a:defRPr sz="354"/>
+            <a:lvl6pPr marL="800786" indent="0">
+              <a:buNone/>
+              <a:defRPr sz="350"/>
             </a:lvl6pPr>
-            <a:lvl7pPr marL="971916" indent="0">
-              <a:buNone/>
-              <a:defRPr sz="354"/>
+            <a:lvl7pPr marL="960943" indent="0">
+              <a:buNone/>
+              <a:defRPr sz="350"/>
             </a:lvl7pPr>
-            <a:lvl8pPr marL="1133902" indent="0">
-              <a:buNone/>
-              <a:defRPr sz="354"/>
+            <a:lvl8pPr marL="1121100" indent="0">
+              <a:buNone/>
+              <a:defRPr sz="350"/>
             </a:lvl8pPr>
-            <a:lvl9pPr marL="1295888" indent="0">
-              <a:buNone/>
-              <a:defRPr sz="354"/>
+            <a:lvl9pPr marL="1281257" indent="0">
+              <a:buNone/>
+              <a:defRPr sz="350"/>
             </a:lvl9pPr>
           </a:lstStyle>
           <a:p>
@@ -2147,7 +2147,7 @@
     </p:spTree>
     <p:extLst>
       <p:ext uri="{BB962C8B-B14F-4D97-AF65-F5344CB8AC3E}">
-        <p14:creationId xmlns:p14="http://schemas.microsoft.com/office/powerpoint/2010/main" val="4167195503"/>
+        <p14:creationId xmlns:p14="http://schemas.microsoft.com/office/powerpoint/2010/main" val="3447487243"/>
       </p:ext>
     </p:extLst>
   </p:cSld>
@@ -2186,15 +2186,15 @@
         </p:nvSpPr>
         <p:spPr>
           <a:xfrm>
-            <a:off x="223178" y="204047"/>
-            <a:ext cx="1045013" cy="714163"/>
+            <a:off x="220663" y="204047"/>
+            <a:ext cx="1033236" cy="714163"/>
           </a:xfrm>
         </p:spPr>
         <p:txBody>
           <a:bodyPr anchor="b"/>
           <a:lstStyle>
             <a:lvl1pPr>
-              <a:defRPr sz="1134"/>
+              <a:defRPr sz="1121"/>
             </a:lvl1pPr>
           </a:lstStyle>
           <a:p>
@@ -2218,8 +2218,8 @@
         </p:nvSpPr>
         <p:spPr>
           <a:xfrm>
-            <a:off x="1377459" y="440685"/>
-            <a:ext cx="1640295" cy="2175081"/>
+            <a:off x="1361937" y="440685"/>
+            <a:ext cx="1621810" cy="2175081"/>
           </a:xfrm>
         </p:spPr>
         <p:txBody>
@@ -2227,39 +2227,39 @@
           <a:lstStyle>
             <a:lvl1pPr marL="0" indent="0">
               <a:buNone/>
-              <a:defRPr sz="1134"/>
+              <a:defRPr sz="1121"/>
             </a:lvl1pPr>
-            <a:lvl2pPr marL="161986" indent="0">
-              <a:buNone/>
-              <a:defRPr sz="992"/>
+            <a:lvl2pPr marL="160157" indent="0">
+              <a:buNone/>
+              <a:defRPr sz="981"/>
             </a:lvl2pPr>
-            <a:lvl3pPr marL="323972" indent="0">
-              <a:buNone/>
-              <a:defRPr sz="850"/>
+            <a:lvl3pPr marL="320314" indent="0">
+              <a:buNone/>
+              <a:defRPr sz="841"/>
             </a:lvl3pPr>
-            <a:lvl4pPr marL="485958" indent="0">
-              <a:buNone/>
-              <a:defRPr sz="709"/>
+            <a:lvl4pPr marL="480471" indent="0">
+              <a:buNone/>
+              <a:defRPr sz="701"/>
             </a:lvl4pPr>
-            <a:lvl5pPr marL="647944" indent="0">
-              <a:buNone/>
-              <a:defRPr sz="709"/>
+            <a:lvl5pPr marL="640629" indent="0">
+              <a:buNone/>
+              <a:defRPr sz="701"/>
             </a:lvl5pPr>
-            <a:lvl6pPr marL="809930" indent="0">
-              <a:buNone/>
-              <a:defRPr sz="709"/>
+            <a:lvl6pPr marL="800786" indent="0">
+              <a:buNone/>
+              <a:defRPr sz="701"/>
             </a:lvl6pPr>
-            <a:lvl7pPr marL="971916" indent="0">
-              <a:buNone/>
-              <a:defRPr sz="709"/>
+            <a:lvl7pPr marL="960943" indent="0">
+              <a:buNone/>
+              <a:defRPr sz="701"/>
             </a:lvl7pPr>
-            <a:lvl8pPr marL="1133902" indent="0">
-              <a:buNone/>
-              <a:defRPr sz="709"/>
+            <a:lvl8pPr marL="1121100" indent="0">
+              <a:buNone/>
+              <a:defRPr sz="701"/>
             </a:lvl8pPr>
-            <a:lvl9pPr marL="1295888" indent="0">
-              <a:buNone/>
-              <a:defRPr sz="709"/>
+            <a:lvl9pPr marL="1281257" indent="0">
+              <a:buNone/>
+              <a:defRPr sz="701"/>
             </a:lvl9pPr>
           </a:lstStyle>
           <a:p>
@@ -2283,8 +2283,8 @@
         </p:nvSpPr>
         <p:spPr>
           <a:xfrm>
-            <a:off x="223178" y="918210"/>
-            <a:ext cx="1045013" cy="1701098"/>
+            <a:off x="220663" y="918210"/>
+            <a:ext cx="1033236" cy="1701098"/>
           </a:xfrm>
         </p:spPr>
         <p:txBody>
@@ -2292,39 +2292,39 @@
           <a:lstStyle>
             <a:lvl1pPr marL="0" indent="0">
               <a:buNone/>
-              <a:defRPr sz="567"/>
+              <a:defRPr sz="560"/>
             </a:lvl1pPr>
-            <a:lvl2pPr marL="161986" indent="0">
-              <a:buNone/>
-              <a:defRPr sz="496"/>
+            <a:lvl2pPr marL="160157" indent="0">
+              <a:buNone/>
+              <a:defRPr sz="490"/>
             </a:lvl2pPr>
-            <a:lvl3pPr marL="323972" indent="0">
-              <a:buNone/>
-              <a:defRPr sz="425"/>
+            <a:lvl3pPr marL="320314" indent="0">
+              <a:buNone/>
+              <a:defRPr sz="420"/>
             </a:lvl3pPr>
-            <a:lvl4pPr marL="485958" indent="0">
-              <a:buNone/>
-              <a:defRPr sz="354"/>
+            <a:lvl4pPr marL="480471" indent="0">
+              <a:buNone/>
+              <a:defRPr sz="350"/>
             </a:lvl4pPr>
-            <a:lvl5pPr marL="647944" indent="0">
-              <a:buNone/>
-              <a:defRPr sz="354"/>
+            <a:lvl5pPr marL="640629" indent="0">
+              <a:buNone/>
+              <a:defRPr sz="350"/>
             </a:lvl5pPr>
-            <a:lvl6pPr marL="809930" indent="0">
-              <a:buNone/>
-              <a:defRPr sz="354"/>
+            <a:lvl6pPr marL="800786" indent="0">
+              <a:buNone/>
+              <a:defRPr sz="350"/>
             </a:lvl6pPr>
-            <a:lvl7pPr marL="971916" indent="0">
-              <a:buNone/>
-              <a:defRPr sz="354"/>
+            <a:lvl7pPr marL="960943" indent="0">
+              <a:buNone/>
+              <a:defRPr sz="350"/>
             </a:lvl7pPr>
-            <a:lvl8pPr marL="1133902" indent="0">
-              <a:buNone/>
-              <a:defRPr sz="354"/>
+            <a:lvl8pPr marL="1121100" indent="0">
+              <a:buNone/>
+              <a:defRPr sz="350"/>
             </a:lvl8pPr>
-            <a:lvl9pPr marL="1295888" indent="0">
-              <a:buNone/>
-              <a:defRPr sz="354"/>
+            <a:lvl9pPr marL="1281257" indent="0">
+              <a:buNone/>
+              <a:defRPr sz="350"/>
             </a:lvl9pPr>
           </a:lstStyle>
           <a:p>
@@ -2404,7 +2404,7 @@
     </p:spTree>
     <p:extLst>
       <p:ext uri="{BB962C8B-B14F-4D97-AF65-F5344CB8AC3E}">
-        <p14:creationId xmlns:p14="http://schemas.microsoft.com/office/powerpoint/2010/main" val="2471184465"/>
+        <p14:creationId xmlns:p14="http://schemas.microsoft.com/office/powerpoint/2010/main" val="3796412260"/>
       </p:ext>
     </p:extLst>
   </p:cSld>
@@ -2448,8 +2448,8 @@
         </p:nvSpPr>
         <p:spPr>
           <a:xfrm>
-            <a:off x="222756" y="162955"/>
-            <a:ext cx="2794576" cy="591594"/>
+            <a:off x="220246" y="162955"/>
+            <a:ext cx="2763083" cy="591594"/>
           </a:xfrm>
           <a:prstGeom prst="rect">
             <a:avLst/>
@@ -2481,8 +2481,8 @@
         </p:nvSpPr>
         <p:spPr>
           <a:xfrm>
-            <a:off x="222756" y="814770"/>
-            <a:ext cx="2794576" cy="1941986"/>
+            <a:off x="220246" y="814770"/>
+            <a:ext cx="2763083" cy="1941986"/>
           </a:xfrm>
           <a:prstGeom prst="rect">
             <a:avLst/>
@@ -2543,8 +2543,8 @@
         </p:nvSpPr>
         <p:spPr>
           <a:xfrm>
-            <a:off x="222756" y="2836816"/>
-            <a:ext cx="729020" cy="162954"/>
+            <a:off x="220246" y="2836816"/>
+            <a:ext cx="720804" cy="162954"/>
           </a:xfrm>
           <a:prstGeom prst="rect">
             <a:avLst/>
@@ -2554,7 +2554,7 @@
           <a:bodyPr vert="horz" lIns="91440" tIns="45720" rIns="91440" bIns="45720" rtlCol="0" anchor="ctr"/>
           <a:lstStyle>
             <a:lvl1pPr algn="l">
-              <a:defRPr sz="425">
+              <a:defRPr sz="420">
                 <a:solidFill>
                   <a:schemeClr val="tx1">
                     <a:tint val="75000"/>
@@ -2584,8 +2584,8 @@
         </p:nvSpPr>
         <p:spPr>
           <a:xfrm>
-            <a:off x="1073279" y="2836816"/>
-            <a:ext cx="1093530" cy="162954"/>
+            <a:off x="1061184" y="2836816"/>
+            <a:ext cx="1081207" cy="162954"/>
           </a:xfrm>
           <a:prstGeom prst="rect">
             <a:avLst/>
@@ -2595,7 +2595,7 @@
           <a:bodyPr vert="horz" lIns="91440" tIns="45720" rIns="91440" bIns="45720" rtlCol="0" anchor="ctr"/>
           <a:lstStyle>
             <a:lvl1pPr algn="ctr">
-              <a:defRPr sz="425">
+              <a:defRPr sz="420">
                 <a:solidFill>
                   <a:schemeClr val="tx1">
                     <a:tint val="75000"/>
@@ -2621,8 +2621,8 @@
         </p:nvSpPr>
         <p:spPr>
           <a:xfrm>
-            <a:off x="2288312" y="2836816"/>
-            <a:ext cx="729020" cy="162954"/>
+            <a:off x="2262525" y="2836816"/>
+            <a:ext cx="720804" cy="162954"/>
           </a:xfrm>
           <a:prstGeom prst="rect">
             <a:avLst/>
@@ -2632,7 +2632,7 @@
           <a:bodyPr vert="horz" lIns="91440" tIns="45720" rIns="91440" bIns="45720" rtlCol="0" anchor="ctr"/>
           <a:lstStyle>
             <a:lvl1pPr algn="r">
-              <a:defRPr sz="425">
+              <a:defRPr sz="420">
                 <a:solidFill>
                   <a:schemeClr val="tx1">
                     <a:tint val="75000"/>
@@ -2653,27 +2653,27 @@
     </p:spTree>
     <p:extLst>
       <p:ext uri="{BB962C8B-B14F-4D97-AF65-F5344CB8AC3E}">
-        <p14:creationId xmlns:p14="http://schemas.microsoft.com/office/powerpoint/2010/main" val="3841197895"/>
+        <p14:creationId xmlns:p14="http://schemas.microsoft.com/office/powerpoint/2010/main" val="2846472838"/>
       </p:ext>
     </p:extLst>
   </p:cSld>
   <p:clrMap bg1="lt1" tx1="dk1" bg2="lt2" tx2="dk2" accent1="accent1" accent2="accent2" accent3="accent3" accent4="accent4" accent5="accent5" accent6="accent6" hlink="hlink" folHlink="folHlink"/>
   <p:sldLayoutIdLst>
-    <p:sldLayoutId id="2147483733" r:id="rId1"/>
-    <p:sldLayoutId id="2147483734" r:id="rId2"/>
-    <p:sldLayoutId id="2147483735" r:id="rId3"/>
-    <p:sldLayoutId id="2147483736" r:id="rId4"/>
-    <p:sldLayoutId id="2147483737" r:id="rId5"/>
-    <p:sldLayoutId id="2147483738" r:id="rId6"/>
-    <p:sldLayoutId id="2147483739" r:id="rId7"/>
-    <p:sldLayoutId id="2147483740" r:id="rId8"/>
-    <p:sldLayoutId id="2147483741" r:id="rId9"/>
-    <p:sldLayoutId id="2147483742" r:id="rId10"/>
-    <p:sldLayoutId id="2147483743" r:id="rId11"/>
+    <p:sldLayoutId id="2147483745" r:id="rId1"/>
+    <p:sldLayoutId id="2147483746" r:id="rId2"/>
+    <p:sldLayoutId id="2147483747" r:id="rId3"/>
+    <p:sldLayoutId id="2147483748" r:id="rId4"/>
+    <p:sldLayoutId id="2147483749" r:id="rId5"/>
+    <p:sldLayoutId id="2147483750" r:id="rId6"/>
+    <p:sldLayoutId id="2147483751" r:id="rId7"/>
+    <p:sldLayoutId id="2147483752" r:id="rId8"/>
+    <p:sldLayoutId id="2147483753" r:id="rId9"/>
+    <p:sldLayoutId id="2147483754" r:id="rId10"/>
+    <p:sldLayoutId id="2147483755" r:id="rId11"/>
   </p:sldLayoutIdLst>
   <p:txStyles>
     <p:titleStyle>
-      <a:lvl1pPr algn="l" defTabSz="323972" rtl="0" eaLnBrk="1" latinLnBrk="0" hangingPunct="1">
+      <a:lvl1pPr algn="l" defTabSz="320314" rtl="0" eaLnBrk="1" latinLnBrk="0" hangingPunct="1">
         <a:lnSpc>
           <a:spcPct val="90000"/>
         </a:lnSpc>
@@ -2681,7 +2681,7 @@
           <a:spcPct val="0"/>
         </a:spcBef>
         <a:buNone/>
-        <a:defRPr sz="1559" kern="1200">
+        <a:defRPr sz="1541" kern="1200">
           <a:solidFill>
             <a:schemeClr val="tx1"/>
           </a:solidFill>
@@ -2692,16 +2692,16 @@
       </a:lvl1pPr>
     </p:titleStyle>
     <p:bodyStyle>
-      <a:lvl1pPr marL="80993" indent="-80993" algn="l" defTabSz="323972" rtl="0" eaLnBrk="1" latinLnBrk="0" hangingPunct="1">
+      <a:lvl1pPr marL="80079" indent="-80079" algn="l" defTabSz="320314" rtl="0" eaLnBrk="1" latinLnBrk="0" hangingPunct="1">
         <a:lnSpc>
           <a:spcPct val="90000"/>
         </a:lnSpc>
         <a:spcBef>
-          <a:spcPts val="354"/>
+          <a:spcPts val="350"/>
         </a:spcBef>
         <a:buFont typeface="Arial" panose="020B0604020202020204" pitchFamily="34" charset="0"/>
         <a:buChar char="•"/>
-        <a:defRPr sz="992" kern="1200">
+        <a:defRPr sz="981" kern="1200">
           <a:solidFill>
             <a:schemeClr val="tx1"/>
           </a:solidFill>
@@ -2710,16 +2710,16 @@
           <a:cs typeface="+mn-cs"/>
         </a:defRPr>
       </a:lvl1pPr>
-      <a:lvl2pPr marL="242979" indent="-80993" algn="l" defTabSz="323972" rtl="0" eaLnBrk="1" latinLnBrk="0" hangingPunct="1">
+      <a:lvl2pPr marL="240236" indent="-80079" algn="l" defTabSz="320314" rtl="0" eaLnBrk="1" latinLnBrk="0" hangingPunct="1">
         <a:lnSpc>
           <a:spcPct val="90000"/>
         </a:lnSpc>
         <a:spcBef>
-          <a:spcPts val="177"/>
+          <a:spcPts val="175"/>
         </a:spcBef>
         <a:buFont typeface="Arial" panose="020B0604020202020204" pitchFamily="34" charset="0"/>
         <a:buChar char="•"/>
-        <a:defRPr sz="850" kern="1200">
+        <a:defRPr sz="841" kern="1200">
           <a:solidFill>
             <a:schemeClr val="tx1"/>
           </a:solidFill>
@@ -2728,16 +2728,16 @@
           <a:cs typeface="+mn-cs"/>
         </a:defRPr>
       </a:lvl2pPr>
-      <a:lvl3pPr marL="404965" indent="-80993" algn="l" defTabSz="323972" rtl="0" eaLnBrk="1" latinLnBrk="0" hangingPunct="1">
+      <a:lvl3pPr marL="400393" indent="-80079" algn="l" defTabSz="320314" rtl="0" eaLnBrk="1" latinLnBrk="0" hangingPunct="1">
         <a:lnSpc>
           <a:spcPct val="90000"/>
         </a:lnSpc>
         <a:spcBef>
-          <a:spcPts val="177"/>
+          <a:spcPts val="175"/>
         </a:spcBef>
         <a:buFont typeface="Arial" panose="020B0604020202020204" pitchFamily="34" charset="0"/>
         <a:buChar char="•"/>
-        <a:defRPr sz="709" kern="1200">
+        <a:defRPr sz="701" kern="1200">
           <a:solidFill>
             <a:schemeClr val="tx1"/>
           </a:solidFill>
@@ -2746,16 +2746,16 @@
           <a:cs typeface="+mn-cs"/>
         </a:defRPr>
       </a:lvl3pPr>
-      <a:lvl4pPr marL="566951" indent="-80993" algn="l" defTabSz="323972" rtl="0" eaLnBrk="1" latinLnBrk="0" hangingPunct="1">
+      <a:lvl4pPr marL="560550" indent="-80079" algn="l" defTabSz="320314" rtl="0" eaLnBrk="1" latinLnBrk="0" hangingPunct="1">
         <a:lnSpc>
           <a:spcPct val="90000"/>
         </a:lnSpc>
         <a:spcBef>
-          <a:spcPts val="177"/>
+          <a:spcPts val="175"/>
         </a:spcBef>
         <a:buFont typeface="Arial" panose="020B0604020202020204" pitchFamily="34" charset="0"/>
         <a:buChar char="•"/>
-        <a:defRPr sz="638" kern="1200">
+        <a:defRPr sz="631" kern="1200">
           <a:solidFill>
             <a:schemeClr val="tx1"/>
           </a:solidFill>
@@ -2764,16 +2764,16 @@
           <a:cs typeface="+mn-cs"/>
         </a:defRPr>
       </a:lvl4pPr>
-      <a:lvl5pPr marL="728937" indent="-80993" algn="l" defTabSz="323972" rtl="0" eaLnBrk="1" latinLnBrk="0" hangingPunct="1">
+      <a:lvl5pPr marL="720707" indent="-80079" algn="l" defTabSz="320314" rtl="0" eaLnBrk="1" latinLnBrk="0" hangingPunct="1">
         <a:lnSpc>
           <a:spcPct val="90000"/>
         </a:lnSpc>
         <a:spcBef>
-          <a:spcPts val="177"/>
+          <a:spcPts val="175"/>
         </a:spcBef>
         <a:buFont typeface="Arial" panose="020B0604020202020204" pitchFamily="34" charset="0"/>
         <a:buChar char="•"/>
-        <a:defRPr sz="638" kern="1200">
+        <a:defRPr sz="631" kern="1200">
           <a:solidFill>
             <a:schemeClr val="tx1"/>
           </a:solidFill>
@@ -2782,16 +2782,16 @@
           <a:cs typeface="+mn-cs"/>
         </a:defRPr>
       </a:lvl5pPr>
-      <a:lvl6pPr marL="890923" indent="-80993" algn="l" defTabSz="323972" rtl="0" eaLnBrk="1" latinLnBrk="0" hangingPunct="1">
+      <a:lvl6pPr marL="880864" indent="-80079" algn="l" defTabSz="320314" rtl="0" eaLnBrk="1" latinLnBrk="0" hangingPunct="1">
         <a:lnSpc>
           <a:spcPct val="90000"/>
         </a:lnSpc>
         <a:spcBef>
-          <a:spcPts val="177"/>
+          <a:spcPts val="175"/>
         </a:spcBef>
         <a:buFont typeface="Arial" panose="020B0604020202020204" pitchFamily="34" charset="0"/>
         <a:buChar char="•"/>
-        <a:defRPr sz="638" kern="1200">
+        <a:defRPr sz="631" kern="1200">
           <a:solidFill>
             <a:schemeClr val="tx1"/>
           </a:solidFill>
@@ -2800,16 +2800,16 @@
           <a:cs typeface="+mn-cs"/>
         </a:defRPr>
       </a:lvl6pPr>
-      <a:lvl7pPr marL="1052909" indent="-80993" algn="l" defTabSz="323972" rtl="0" eaLnBrk="1" latinLnBrk="0" hangingPunct="1">
+      <a:lvl7pPr marL="1041022" indent="-80079" algn="l" defTabSz="320314" rtl="0" eaLnBrk="1" latinLnBrk="0" hangingPunct="1">
         <a:lnSpc>
           <a:spcPct val="90000"/>
         </a:lnSpc>
         <a:spcBef>
-          <a:spcPts val="177"/>
+          <a:spcPts val="175"/>
         </a:spcBef>
         <a:buFont typeface="Arial" panose="020B0604020202020204" pitchFamily="34" charset="0"/>
         <a:buChar char="•"/>
-        <a:defRPr sz="638" kern="1200">
+        <a:defRPr sz="631" kern="1200">
           <a:solidFill>
             <a:schemeClr val="tx1"/>
           </a:solidFill>
@@ -2818,16 +2818,16 @@
           <a:cs typeface="+mn-cs"/>
         </a:defRPr>
       </a:lvl7pPr>
-      <a:lvl8pPr marL="1214895" indent="-80993" algn="l" defTabSz="323972" rtl="0" eaLnBrk="1" latinLnBrk="0" hangingPunct="1">
+      <a:lvl8pPr marL="1201179" indent="-80079" algn="l" defTabSz="320314" rtl="0" eaLnBrk="1" latinLnBrk="0" hangingPunct="1">
         <a:lnSpc>
           <a:spcPct val="90000"/>
         </a:lnSpc>
         <a:spcBef>
-          <a:spcPts val="177"/>
+          <a:spcPts val="175"/>
         </a:spcBef>
         <a:buFont typeface="Arial" panose="020B0604020202020204" pitchFamily="34" charset="0"/>
         <a:buChar char="•"/>
-        <a:defRPr sz="638" kern="1200">
+        <a:defRPr sz="631" kern="1200">
           <a:solidFill>
             <a:schemeClr val="tx1"/>
           </a:solidFill>
@@ -2836,16 +2836,16 @@
           <a:cs typeface="+mn-cs"/>
         </a:defRPr>
       </a:lvl8pPr>
-      <a:lvl9pPr marL="1376881" indent="-80993" algn="l" defTabSz="323972" rtl="0" eaLnBrk="1" latinLnBrk="0" hangingPunct="1">
+      <a:lvl9pPr marL="1361336" indent="-80079" algn="l" defTabSz="320314" rtl="0" eaLnBrk="1" latinLnBrk="0" hangingPunct="1">
         <a:lnSpc>
           <a:spcPct val="90000"/>
         </a:lnSpc>
         <a:spcBef>
-          <a:spcPts val="177"/>
+          <a:spcPts val="175"/>
         </a:spcBef>
         <a:buFont typeface="Arial" panose="020B0604020202020204" pitchFamily="34" charset="0"/>
         <a:buChar char="•"/>
-        <a:defRPr sz="638" kern="1200">
+        <a:defRPr sz="631" kern="1200">
           <a:solidFill>
             <a:schemeClr val="tx1"/>
           </a:solidFill>
@@ -2859,8 +2859,8 @@
       <a:defPPr>
         <a:defRPr lang="en-US"/>
       </a:defPPr>
-      <a:lvl1pPr marL="0" algn="l" defTabSz="323972" rtl="0" eaLnBrk="1" latinLnBrk="0" hangingPunct="1">
-        <a:defRPr sz="638" kern="1200">
+      <a:lvl1pPr marL="0" algn="l" defTabSz="320314" rtl="0" eaLnBrk="1" latinLnBrk="0" hangingPunct="1">
+        <a:defRPr sz="631" kern="1200">
           <a:solidFill>
             <a:schemeClr val="tx1"/>
           </a:solidFill>
@@ -2869,8 +2869,8 @@
           <a:cs typeface="+mn-cs"/>
         </a:defRPr>
       </a:lvl1pPr>
-      <a:lvl2pPr marL="161986" algn="l" defTabSz="323972" rtl="0" eaLnBrk="1" latinLnBrk="0" hangingPunct="1">
-        <a:defRPr sz="638" kern="1200">
+      <a:lvl2pPr marL="160157" algn="l" defTabSz="320314" rtl="0" eaLnBrk="1" latinLnBrk="0" hangingPunct="1">
+        <a:defRPr sz="631" kern="1200">
           <a:solidFill>
             <a:schemeClr val="tx1"/>
           </a:solidFill>
@@ -2879,8 +2879,8 @@
           <a:cs typeface="+mn-cs"/>
         </a:defRPr>
       </a:lvl2pPr>
-      <a:lvl3pPr marL="323972" algn="l" defTabSz="323972" rtl="0" eaLnBrk="1" latinLnBrk="0" hangingPunct="1">
-        <a:defRPr sz="638" kern="1200">
+      <a:lvl3pPr marL="320314" algn="l" defTabSz="320314" rtl="0" eaLnBrk="1" latinLnBrk="0" hangingPunct="1">
+        <a:defRPr sz="631" kern="1200">
           <a:solidFill>
             <a:schemeClr val="tx1"/>
           </a:solidFill>
@@ -2889,8 +2889,8 @@
           <a:cs typeface="+mn-cs"/>
         </a:defRPr>
       </a:lvl3pPr>
-      <a:lvl4pPr marL="485958" algn="l" defTabSz="323972" rtl="0" eaLnBrk="1" latinLnBrk="0" hangingPunct="1">
-        <a:defRPr sz="638" kern="1200">
+      <a:lvl4pPr marL="480471" algn="l" defTabSz="320314" rtl="0" eaLnBrk="1" latinLnBrk="0" hangingPunct="1">
+        <a:defRPr sz="631" kern="1200">
           <a:solidFill>
             <a:schemeClr val="tx1"/>
           </a:solidFill>
@@ -2899,8 +2899,8 @@
           <a:cs typeface="+mn-cs"/>
         </a:defRPr>
       </a:lvl4pPr>
-      <a:lvl5pPr marL="647944" algn="l" defTabSz="323972" rtl="0" eaLnBrk="1" latinLnBrk="0" hangingPunct="1">
-        <a:defRPr sz="638" kern="1200">
+      <a:lvl5pPr marL="640629" algn="l" defTabSz="320314" rtl="0" eaLnBrk="1" latinLnBrk="0" hangingPunct="1">
+        <a:defRPr sz="631" kern="1200">
           <a:solidFill>
             <a:schemeClr val="tx1"/>
           </a:solidFill>
@@ -2909,8 +2909,8 @@
           <a:cs typeface="+mn-cs"/>
         </a:defRPr>
       </a:lvl5pPr>
-      <a:lvl6pPr marL="809930" algn="l" defTabSz="323972" rtl="0" eaLnBrk="1" latinLnBrk="0" hangingPunct="1">
-        <a:defRPr sz="638" kern="1200">
+      <a:lvl6pPr marL="800786" algn="l" defTabSz="320314" rtl="0" eaLnBrk="1" latinLnBrk="0" hangingPunct="1">
+        <a:defRPr sz="631" kern="1200">
           <a:solidFill>
             <a:schemeClr val="tx1"/>
           </a:solidFill>
@@ -2919,8 +2919,8 @@
           <a:cs typeface="+mn-cs"/>
         </a:defRPr>
       </a:lvl6pPr>
-      <a:lvl7pPr marL="971916" algn="l" defTabSz="323972" rtl="0" eaLnBrk="1" latinLnBrk="0" hangingPunct="1">
-        <a:defRPr sz="638" kern="1200">
+      <a:lvl7pPr marL="960943" algn="l" defTabSz="320314" rtl="0" eaLnBrk="1" latinLnBrk="0" hangingPunct="1">
+        <a:defRPr sz="631" kern="1200">
           <a:solidFill>
             <a:schemeClr val="tx1"/>
           </a:solidFill>
@@ -2929,8 +2929,8 @@
           <a:cs typeface="+mn-cs"/>
         </a:defRPr>
       </a:lvl7pPr>
-      <a:lvl8pPr marL="1133902" algn="l" defTabSz="323972" rtl="0" eaLnBrk="1" latinLnBrk="0" hangingPunct="1">
-        <a:defRPr sz="638" kern="1200">
+      <a:lvl8pPr marL="1121100" algn="l" defTabSz="320314" rtl="0" eaLnBrk="1" latinLnBrk="0" hangingPunct="1">
+        <a:defRPr sz="631" kern="1200">
           <a:solidFill>
             <a:schemeClr val="tx1"/>
           </a:solidFill>
@@ -2939,8 +2939,8 @@
           <a:cs typeface="+mn-cs"/>
         </a:defRPr>
       </a:lvl8pPr>
-      <a:lvl9pPr marL="1295888" algn="l" defTabSz="323972" rtl="0" eaLnBrk="1" latinLnBrk="0" hangingPunct="1">
-        <a:defRPr sz="638" kern="1200">
+      <a:lvl9pPr marL="1281257" algn="l" defTabSz="320314" rtl="0" eaLnBrk="1" latinLnBrk="0" hangingPunct="1">
+        <a:defRPr sz="631" kern="1200">
           <a:solidFill>
             <a:schemeClr val="tx1"/>
           </a:solidFill>
@@ -2985,7 +2985,7 @@
         </p:nvSpPr>
         <p:spPr>
           <a:xfrm>
-            <a:off x="3690425" y="1031631"/>
+            <a:off x="3653912" y="1031631"/>
             <a:ext cx="184731" cy="369332"/>
           </a:xfrm>
           <a:prstGeom prst="rect">
